--- a/python-arduino.pptx
+++ b/python-arduino.pptx
@@ -201,7 +201,7 @@
           <a:p>
             <a:fld id="{E404F769-1E02-4E88-86FE-9BECA14C7D71}" type="datetimeFigureOut">
               <a:rPr lang="es-MX" smtClean="0"/>
-              <a:t>17/10/2019</a:t>
+              <a:t>04/11/2019</a:t>
             </a:fld>
             <a:endParaRPr lang="es-MX"/>
           </a:p>
@@ -611,6 +611,93 @@
           <a:lstStyle/>
           <a:p>
             <a:r>
+              <a:rPr lang="es-MX" dirty="0"/>
+              <a:t>Ir a Arduino</a:t>
+            </a:r>
+          </a:p>
+        </p:txBody>
+      </p:sp>
+      <p:sp>
+        <p:nvSpPr>
+          <p:cNvPr id="4" name="Marcador de número de diapositiva 3"/>
+          <p:cNvSpPr>
+            <a:spLocks noGrp="1"/>
+          </p:cNvSpPr>
+          <p:nvPr>
+            <p:ph type="sldNum" sz="quarter" idx="5"/>
+          </p:nvPr>
+        </p:nvSpPr>
+        <p:spPr/>
+        <p:txBody>
+          <a:bodyPr/>
+          <a:lstStyle/>
+          <a:p>
+            <a:fld id="{5CCEF51F-03CB-49E5-A680-7276E4CD08E4}" type="slidenum">
+              <a:rPr lang="es-MX" smtClean="0"/>
+              <a:t>3</a:t>
+            </a:fld>
+            <a:endParaRPr lang="es-MX"/>
+          </a:p>
+        </p:txBody>
+      </p:sp>
+    </p:spTree>
+    <p:extLst>
+      <p:ext uri="{BB962C8B-B14F-4D97-AF65-F5344CB8AC3E}">
+        <p14:creationId xmlns:p14="http://schemas.microsoft.com/office/powerpoint/2010/main" val="2673466198"/>
+      </p:ext>
+    </p:extLst>
+  </p:cSld>
+  <p:clrMapOvr>
+    <a:masterClrMapping/>
+  </p:clrMapOvr>
+</p:notes>
+</file>
+
+<file path=ppt/notesSlides/notesSlide3.xml><?xml version="1.0" encoding="utf-8"?>
+<p:notes xmlns:a="http://schemas.openxmlformats.org/drawingml/2006/main" xmlns:r="http://schemas.openxmlformats.org/officeDocument/2006/relationships" xmlns:p="http://schemas.openxmlformats.org/presentationml/2006/main">
+  <p:cSld>
+    <p:spTree>
+      <p:nvGrpSpPr>
+        <p:cNvPr id="1" name=""/>
+        <p:cNvGrpSpPr/>
+        <p:nvPr/>
+      </p:nvGrpSpPr>
+      <p:grpSpPr>
+        <a:xfrm>
+          <a:off x="0" y="0"/>
+          <a:ext cx="0" cy="0"/>
+          <a:chOff x="0" y="0"/>
+          <a:chExt cx="0" cy="0"/>
+        </a:xfrm>
+      </p:grpSpPr>
+      <p:sp>
+        <p:nvSpPr>
+          <p:cNvPr id="2" name="Marcador de imagen de diapositiva 1"/>
+          <p:cNvSpPr>
+            <a:spLocks noGrp="1" noRot="1" noChangeAspect="1"/>
+          </p:cNvSpPr>
+          <p:nvPr>
+            <p:ph type="sldImg"/>
+          </p:nvPr>
+        </p:nvSpPr>
+        <p:spPr/>
+      </p:sp>
+      <p:sp>
+        <p:nvSpPr>
+          <p:cNvPr id="3" name="Marcador de notas 2"/>
+          <p:cNvSpPr>
+            <a:spLocks noGrp="1"/>
+          </p:cNvSpPr>
+          <p:nvPr>
+            <p:ph type="body" idx="1"/>
+          </p:nvPr>
+        </p:nvSpPr>
+        <p:spPr/>
+        <p:txBody>
+          <a:bodyPr/>
+          <a:lstStyle/>
+          <a:p>
+            <a:r>
               <a:rPr lang="es-MX" dirty="0" err="1"/>
               <a:t>servoBotones</a:t>
             </a:r>
@@ -878,7 +965,7 @@
           <a:p>
             <a:fld id="{8D74604D-0B02-4113-A3B6-3B883CB91850}" type="datetimeFigureOut">
               <a:rPr lang="es-MX" smtClean="0"/>
-              <a:t>17/10/2019</a:t>
+              <a:t>04/11/2019</a:t>
             </a:fld>
             <a:endParaRPr lang="es-MX"/>
           </a:p>
@@ -1048,7 +1135,7 @@
           <a:p>
             <a:fld id="{8D74604D-0B02-4113-A3B6-3B883CB91850}" type="datetimeFigureOut">
               <a:rPr lang="es-MX" smtClean="0"/>
-              <a:t>17/10/2019</a:t>
+              <a:t>04/11/2019</a:t>
             </a:fld>
             <a:endParaRPr lang="es-MX"/>
           </a:p>
@@ -1228,7 +1315,7 @@
           <a:p>
             <a:fld id="{8D74604D-0B02-4113-A3B6-3B883CB91850}" type="datetimeFigureOut">
               <a:rPr lang="es-MX" smtClean="0"/>
-              <a:t>17/10/2019</a:t>
+              <a:t>04/11/2019</a:t>
             </a:fld>
             <a:endParaRPr lang="es-MX"/>
           </a:p>
@@ -1398,7 +1485,7 @@
           <a:p>
             <a:fld id="{8D74604D-0B02-4113-A3B6-3B883CB91850}" type="datetimeFigureOut">
               <a:rPr lang="es-MX" smtClean="0"/>
-              <a:t>17/10/2019</a:t>
+              <a:t>04/11/2019</a:t>
             </a:fld>
             <a:endParaRPr lang="es-MX"/>
           </a:p>
@@ -1656,7 +1743,7 @@
           <a:p>
             <a:fld id="{8D74604D-0B02-4113-A3B6-3B883CB91850}" type="datetimeFigureOut">
               <a:rPr lang="es-MX" smtClean="0"/>
-              <a:t>17/10/2019</a:t>
+              <a:t>04/11/2019</a:t>
             </a:fld>
             <a:endParaRPr lang="es-MX"/>
           </a:p>
@@ -1944,7 +2031,7 @@
           <a:p>
             <a:fld id="{8D74604D-0B02-4113-A3B6-3B883CB91850}" type="datetimeFigureOut">
               <a:rPr lang="es-MX" smtClean="0"/>
-              <a:t>17/10/2019</a:t>
+              <a:t>04/11/2019</a:t>
             </a:fld>
             <a:endParaRPr lang="es-MX"/>
           </a:p>
@@ -2386,7 +2473,7 @@
           <a:p>
             <a:fld id="{8D74604D-0B02-4113-A3B6-3B883CB91850}" type="datetimeFigureOut">
               <a:rPr lang="es-MX" smtClean="0"/>
-              <a:t>17/10/2019</a:t>
+              <a:t>04/11/2019</a:t>
             </a:fld>
             <a:endParaRPr lang="es-MX"/>
           </a:p>
@@ -2504,7 +2591,7 @@
           <a:p>
             <a:fld id="{8D74604D-0B02-4113-A3B6-3B883CB91850}" type="datetimeFigureOut">
               <a:rPr lang="es-MX" smtClean="0"/>
-              <a:t>17/10/2019</a:t>
+              <a:t>04/11/2019</a:t>
             </a:fld>
             <a:endParaRPr lang="es-MX"/>
           </a:p>
@@ -2599,7 +2686,7 @@
           <a:p>
             <a:fld id="{8D74604D-0B02-4113-A3B6-3B883CB91850}" type="datetimeFigureOut">
               <a:rPr lang="es-MX" smtClean="0"/>
-              <a:t>17/10/2019</a:t>
+              <a:t>04/11/2019</a:t>
             </a:fld>
             <a:endParaRPr lang="es-MX"/>
           </a:p>
@@ -2887,7 +2974,7 @@
           <a:p>
             <a:fld id="{8D74604D-0B02-4113-A3B6-3B883CB91850}" type="datetimeFigureOut">
               <a:rPr lang="es-MX" smtClean="0"/>
-              <a:t>17/10/2019</a:t>
+              <a:t>04/11/2019</a:t>
             </a:fld>
             <a:endParaRPr lang="es-MX"/>
           </a:p>
@@ -3160,7 +3247,7 @@
           <a:p>
             <a:fld id="{8D74604D-0B02-4113-A3B6-3B883CB91850}" type="datetimeFigureOut">
               <a:rPr lang="es-MX" smtClean="0"/>
-              <a:t>17/10/2019</a:t>
+              <a:t>04/11/2019</a:t>
             </a:fld>
             <a:endParaRPr lang="es-MX"/>
           </a:p>
@@ -3457,7 +3544,7 @@
           <a:p>
             <a:fld id="{8D74604D-0B02-4113-A3B6-3B883CB91850}" type="datetimeFigureOut">
               <a:rPr lang="es-MX" smtClean="0"/>
-              <a:t>17/10/2019</a:t>
+              <a:t>04/11/2019</a:t>
             </a:fld>
             <a:endParaRPr lang="es-MX"/>
           </a:p>
@@ -4153,8 +4240,8 @@
         </p:nvSpPr>
         <p:spPr>
           <a:xfrm>
-            <a:off x="2040835" y="2238472"/>
-            <a:ext cx="8547652" cy="729628"/>
+            <a:off x="1402742" y="1440994"/>
+            <a:ext cx="8547652" cy="2388980"/>
           </a:xfrm>
         </p:spPr>
         <p:txBody>
@@ -4163,6 +4250,13 @@
           </a:bodyPr>
           <a:lstStyle/>
           <a:p>
+            <a:r>
+              <a:rPr lang="es-ES" dirty="0"/>
+              <a:t>Interfaces Gráficas</a:t>
+            </a:r>
+            <a:br>
+              <a:rPr lang="es-ES" dirty="0"/>
+            </a:br>
             <a:r>
               <a:rPr lang="es-ES" dirty="0"/>
               <a:t>Arduino-Python.</a:t>
@@ -4278,7 +4372,7 @@
         </p:blipFill>
         <p:spPr bwMode="auto">
           <a:xfrm>
-            <a:off x="42435" y="2187754"/>
+            <a:off x="0" y="2748719"/>
             <a:ext cx="3404307" cy="2162508"/>
           </a:xfrm>
           <a:prstGeom prst="rect">
@@ -4323,7 +4417,7 @@
         </p:blipFill>
         <p:spPr bwMode="auto">
           <a:xfrm>
-            <a:off x="3797335" y="2187755"/>
+            <a:off x="3754900" y="2748720"/>
             <a:ext cx="4925256" cy="2162508"/>
           </a:xfrm>
           <a:prstGeom prst="rect">
@@ -4428,7 +4522,7 @@
           <p:nvPr/>
         </p:nvPicPr>
         <p:blipFill>
-          <a:blip r:embed="rId2">
+          <a:blip r:embed="rId3">
             <a:extLst>
               <a:ext uri="{28A0092B-C50C-407E-A947-70E740481C1C}">
                 <a14:useLocalDpi xmlns:a14="http://schemas.microsoft.com/office/drawing/2010/main" val="0"/>
@@ -4475,7 +4569,7 @@
           <p:nvPr/>
         </p:nvPicPr>
         <p:blipFill>
-          <a:blip r:embed="rId3">
+          <a:blip r:embed="rId4">
             <a:extLst>
               <a:ext uri="{28A0092B-C50C-407E-A947-70E740481C1C}">
                 <a14:useLocalDpi xmlns:a14="http://schemas.microsoft.com/office/drawing/2010/main" val="0"/>
